--- a/述职报告_添加备注简洁化修改版.pptx
+++ b/述职报告_添加备注简洁化修改版.pptx
@@ -3621,7 +3621,7 @@
           <a:p>
             <a:fld id="{DF92E6B9-FE48-4B6B-975C-FB54F643CFEB}" type="datetimeFigureOut">
               <a:rPr lang="zh-CN" altLang="en-US" smtClean="0"/>
-              <a:t>2021/4/13</a:t>
+              <a:t>2021/4/14</a:t>
             </a:fld>
             <a:endParaRPr lang="zh-CN" altLang="en-US"/>
           </a:p>
@@ -5786,7 +5786,7 @@
           <a:p>
             <a:fld id="{A4AD3DDF-7AA9-4E9C-9FEA-75EC9CA270B3}" type="datetimeFigureOut">
               <a:rPr lang="zh-CN" altLang="en-US" smtClean="0"/>
-              <a:t>2021/4/13</a:t>
+              <a:t>2021/4/14</a:t>
             </a:fld>
             <a:endParaRPr lang="zh-CN" altLang="en-US"/>
           </a:p>
@@ -6038,7 +6038,7 @@
           <a:p>
             <a:fld id="{A4AD3DDF-7AA9-4E9C-9FEA-75EC9CA270B3}" type="datetimeFigureOut">
               <a:rPr lang="zh-CN" altLang="en-US" smtClean="0"/>
-              <a:t>2021/4/13</a:t>
+              <a:t>2021/4/14</a:t>
             </a:fld>
             <a:endParaRPr lang="zh-CN" altLang="en-US"/>
           </a:p>
@@ -6206,7 +6206,7 @@
           <a:p>
             <a:fld id="{A4AD3DDF-7AA9-4E9C-9FEA-75EC9CA270B3}" type="datetimeFigureOut">
               <a:rPr lang="zh-CN" altLang="en-US" smtClean="0"/>
-              <a:t>2021/4/13</a:t>
+              <a:t>2021/4/14</a:t>
             </a:fld>
             <a:endParaRPr lang="zh-CN" altLang="en-US"/>
           </a:p>
@@ -6384,7 +6384,7 @@
           <a:p>
             <a:fld id="{A4AD3DDF-7AA9-4E9C-9FEA-75EC9CA270B3}" type="datetimeFigureOut">
               <a:rPr lang="zh-CN" altLang="en-US" smtClean="0"/>
-              <a:t>2021/4/13</a:t>
+              <a:t>2021/4/14</a:t>
             </a:fld>
             <a:endParaRPr lang="zh-CN" altLang="en-US"/>
           </a:p>
@@ -6552,7 +6552,7 @@
           <a:p>
             <a:fld id="{A4AD3DDF-7AA9-4E9C-9FEA-75EC9CA270B3}" type="datetimeFigureOut">
               <a:rPr lang="zh-CN" altLang="en-US" smtClean="0"/>
-              <a:t>2021/4/13</a:t>
+              <a:t>2021/4/14</a:t>
             </a:fld>
             <a:endParaRPr lang="zh-CN" altLang="en-US"/>
           </a:p>
@@ -6797,7 +6797,7 @@
           <a:p>
             <a:fld id="{A4AD3DDF-7AA9-4E9C-9FEA-75EC9CA270B3}" type="datetimeFigureOut">
               <a:rPr lang="zh-CN" altLang="en-US" smtClean="0"/>
-              <a:t>2021/4/13</a:t>
+              <a:t>2021/4/14</a:t>
             </a:fld>
             <a:endParaRPr lang="zh-CN" altLang="en-US"/>
           </a:p>
@@ -7586,7 +7586,7 @@
           <a:p>
             <a:fld id="{A4AD3DDF-7AA9-4E9C-9FEA-75EC9CA270B3}" type="datetimeFigureOut">
               <a:rPr lang="zh-CN" altLang="en-US" smtClean="0"/>
-              <a:t>2021/4/13</a:t>
+              <a:t>2021/4/14</a:t>
             </a:fld>
             <a:endParaRPr lang="zh-CN" altLang="en-US"/>
           </a:p>
@@ -7950,7 +7950,7 @@
           <a:p>
             <a:fld id="{A4AD3DDF-7AA9-4E9C-9FEA-75EC9CA270B3}" type="datetimeFigureOut">
               <a:rPr lang="zh-CN" altLang="en-US" smtClean="0"/>
-              <a:t>2021/4/13</a:t>
+              <a:t>2021/4/14</a:t>
             </a:fld>
             <a:endParaRPr lang="zh-CN" altLang="en-US"/>
           </a:p>
@@ -8067,7 +8067,7 @@
           <a:p>
             <a:fld id="{A4AD3DDF-7AA9-4E9C-9FEA-75EC9CA270B3}" type="datetimeFigureOut">
               <a:rPr lang="zh-CN" altLang="en-US" smtClean="0"/>
-              <a:t>2021/4/13</a:t>
+              <a:t>2021/4/14</a:t>
             </a:fld>
             <a:endParaRPr lang="zh-CN" altLang="en-US"/>
           </a:p>
@@ -8162,7 +8162,7 @@
           <a:p>
             <a:fld id="{A4AD3DDF-7AA9-4E9C-9FEA-75EC9CA270B3}" type="datetimeFigureOut">
               <a:rPr lang="zh-CN" altLang="en-US" smtClean="0"/>
-              <a:t>2021/4/13</a:t>
+              <a:t>2021/4/14</a:t>
             </a:fld>
             <a:endParaRPr lang="zh-CN" altLang="en-US"/>
           </a:p>
@@ -8507,7 +8507,7 @@
           <a:p>
             <a:fld id="{A4AD3DDF-7AA9-4E9C-9FEA-75EC9CA270B3}" type="datetimeFigureOut">
               <a:rPr lang="zh-CN" altLang="en-US" smtClean="0"/>
-              <a:t>2021/4/13</a:t>
+              <a:t>2021/4/14</a:t>
             </a:fld>
             <a:endParaRPr lang="zh-CN" altLang="en-US"/>
           </a:p>
@@ -8718,7 +8718,7 @@
           <a:p>
             <a:fld id="{A4AD3DDF-7AA9-4E9C-9FEA-75EC9CA270B3}" type="datetimeFigureOut">
               <a:rPr lang="zh-CN" altLang="en-US" smtClean="0"/>
-              <a:t>2021/4/13</a:t>
+              <a:t>2021/4/14</a:t>
             </a:fld>
             <a:endParaRPr lang="zh-CN" altLang="en-US"/>
           </a:p>
@@ -15860,66 +15860,6 @@
           </a:p>
         </p:txBody>
       </p:sp>
-      <p:sp>
-        <p:nvSpPr>
-          <p:cNvPr id="20" name="矩形 19"/>
-          <p:cNvSpPr/>
-          <p:nvPr/>
-        </p:nvSpPr>
-        <p:spPr bwMode="auto">
-          <a:xfrm>
-            <a:off x="1054345" y="4865289"/>
-            <a:ext cx="2357797" cy="1472433"/>
-          </a:xfrm>
-          <a:prstGeom prst="rect">
-            <a:avLst/>
-          </a:prstGeom>
-          <a:blipFill>
-            <a:blip r:embed="rId5" cstate="screen">
-              <a:extLst>
-                <a:ext uri="{28A0092B-C50C-407E-A947-70E740481C1C}">
-                  <a14:useLocalDpi xmlns:a14="http://schemas.microsoft.com/office/drawing/2010/main"/>
-                </a:ext>
-              </a:extLst>
-            </a:blip>
-            <a:stretch>
-              <a:fillRect/>
-            </a:stretch>
-          </a:blipFill>
-          <a:ln w="9525" cap="flat" cmpd="sng" algn="ctr">
-            <a:solidFill>
-              <a:schemeClr val="bg2">
-                <a:lumMod val="40000"/>
-                <a:lumOff val="60000"/>
-              </a:schemeClr>
-            </a:solidFill>
-            <a:prstDash val="solid"/>
-            <a:round/>
-            <a:headEnd type="none" w="med" len="med"/>
-            <a:tailEnd type="none" w="med" len="med"/>
-          </a:ln>
-          <a:effectLst/>
-        </p:spPr>
-        <p:txBody>
-          <a:bodyPr vert="horz" wrap="square" lIns="91392" tIns="45696" rIns="91392" bIns="45696" numCol="1" rtlCol="0" anchor="t" anchorCtr="0" compatLnSpc="1"/>
-          <a:lstStyle/>
-          <a:p>
-            <a:pPr defTabSz="913943" fontAlgn="base">
-              <a:spcBef>
-                <a:spcPct val="0"/>
-              </a:spcBef>
-              <a:spcAft>
-                <a:spcPct val="0"/>
-              </a:spcAft>
-              <a:defRPr/>
-            </a:pPr>
-            <a:endParaRPr lang="zh-CN" altLang="en-US" sz="1799">
-              <a:cs typeface="+mn-ea"/>
-              <a:sym typeface="+mn-lt"/>
-            </a:endParaRPr>
-          </a:p>
-        </p:txBody>
-      </p:sp>
       <p:pic>
         <p:nvPicPr>
           <p:cNvPr id="21" name="Picture 3"/>
@@ -15929,7 +15869,7 @@
           <p:nvPr/>
         </p:nvPicPr>
         <p:blipFill>
-          <a:blip r:embed="rId6" cstate="print">
+          <a:blip r:embed="rId5" cstate="print">
             <a:extLst>
               <a:ext uri="{28A0092B-C50C-407E-A947-70E740481C1C}">
                 <a14:useLocalDpi xmlns:a14="http://schemas.microsoft.com/office/drawing/2010/main" val="0"/>
@@ -15948,7 +15888,7 @@
             <a:avLst/>
           </a:prstGeom>
           <a:blipFill>
-            <a:blip r:embed="rId7" cstate="screen">
+            <a:blip r:embed="rId6" cstate="screen">
               <a:extLst>
                 <a:ext uri="{28A0092B-C50C-407E-A947-70E740481C1C}">
                   <a14:useLocalDpi xmlns:a14="http://schemas.microsoft.com/office/drawing/2010/main"/>
@@ -15999,6 +15939,66 @@
           </a:p>
         </p:txBody>
       </p:sp>
+      <p:pic>
+        <p:nvPicPr>
+          <p:cNvPr id="22" name="Picture 3">
+            <a:extLst>
+              <a:ext uri="{FF2B5EF4-FFF2-40B4-BE49-F238E27FC236}">
+                <a16:creationId xmlns:a16="http://schemas.microsoft.com/office/drawing/2014/main" id="{0DE5378C-423F-4417-BBA5-3C987B0E7F3A}"/>
+              </a:ext>
+            </a:extLst>
+          </p:cNvPr>
+          <p:cNvPicPr>
+            <a:picLocks noChangeAspect="1" noChangeArrowheads="1"/>
+          </p:cNvPicPr>
+          <p:nvPr/>
+        </p:nvPicPr>
+        <p:blipFill>
+          <a:blip r:embed="rId7" cstate="print">
+            <a:extLst>
+              <a:ext uri="{28A0092B-C50C-407E-A947-70E740481C1C}">
+                <a14:useLocalDpi xmlns:a14="http://schemas.microsoft.com/office/drawing/2010/main" val="0"/>
+              </a:ext>
+            </a:extLst>
+          </a:blip>
+          <a:srcRect/>
+          <a:stretch/>
+        </p:blipFill>
+        <p:spPr bwMode="auto">
+          <a:xfrm>
+            <a:off x="1113409" y="4898560"/>
+            <a:ext cx="2313980" cy="1542653"/>
+          </a:xfrm>
+          <a:prstGeom prst="rect">
+            <a:avLst/>
+          </a:prstGeom>
+          <a:blipFill>
+            <a:blip r:embed="rId6" cstate="screen">
+              <a:extLst>
+                <a:ext uri="{28A0092B-C50C-407E-A947-70E740481C1C}">
+                  <a14:useLocalDpi xmlns:a14="http://schemas.microsoft.com/office/drawing/2010/main"/>
+                </a:ext>
+              </a:extLst>
+            </a:blip>
+            <a:stretch>
+              <a:fillRect/>
+            </a:stretch>
+          </a:blipFill>
+          <a:ln w="9525" cap="flat" cmpd="sng" algn="ctr">
+            <a:solidFill>
+              <a:schemeClr val="bg2">
+                <a:lumMod val="40000"/>
+                <a:lumOff val="60000"/>
+              </a:schemeClr>
+            </a:solidFill>
+            <a:prstDash val="solid"/>
+            <a:round/>
+            <a:headEnd type="none" w="med" len="med"/>
+            <a:tailEnd type="none" w="med" len="med"/>
+          </a:ln>
+          <a:effectLst/>
+        </p:spPr>
+      </p:pic>
     </p:spTree>
     <p:extLst>
       <p:ext uri="{BB962C8B-B14F-4D97-AF65-F5344CB8AC3E}">
@@ -16190,97 +16190,24 @@
                                   </p:childTnLst>
                                 </p:cTn>
                               </p:par>
-                              <p:par>
-                                <p:cTn id="13" presetID="2" presetClass="entr" presetSubtype="2" fill="hold" grpId="0" nodeType="withEffect">
-                                  <p:stCondLst>
-                                    <p:cond delay="200"/>
-                                  </p:stCondLst>
-                                  <p:childTnLst>
-                                    <p:set>
-                                      <p:cBhvr>
-                                        <p:cTn id="14" dur="1" fill="hold">
-                                          <p:stCondLst>
-                                            <p:cond delay="0"/>
-                                          </p:stCondLst>
-                                        </p:cTn>
-                                        <p:tgtEl>
-                                          <p:spTgt spid="20"/>
-                                        </p:tgtEl>
-                                        <p:attrNameLst>
-                                          <p:attrName>style.visibility</p:attrName>
-                                        </p:attrNameLst>
-                                      </p:cBhvr>
-                                      <p:to>
-                                        <p:strVal val="visible"/>
-                                      </p:to>
-                                    </p:set>
-                                    <p:anim calcmode="lin" valueType="num">
-                                      <p:cBhvr additive="base">
-                                        <p:cTn id="15" dur="500" fill="hold"/>
-                                        <p:tgtEl>
-                                          <p:spTgt spid="20"/>
-                                        </p:tgtEl>
-                                        <p:attrNameLst>
-                                          <p:attrName>ppt_x</p:attrName>
-                                        </p:attrNameLst>
-                                      </p:cBhvr>
-                                      <p:tavLst>
-                                        <p:tav tm="0">
-                                          <p:val>
-                                            <p:strVal val="1+#ppt_w/2"/>
-                                          </p:val>
-                                        </p:tav>
-                                        <p:tav tm="100000">
-                                          <p:val>
-                                            <p:strVal val="#ppt_x"/>
-                                          </p:val>
-                                        </p:tav>
-                                      </p:tavLst>
-                                    </p:anim>
-                                    <p:anim calcmode="lin" valueType="num">
-                                      <p:cBhvr additive="base">
-                                        <p:cTn id="16" dur="500" fill="hold"/>
-                                        <p:tgtEl>
-                                          <p:spTgt spid="20"/>
-                                        </p:tgtEl>
-                                        <p:attrNameLst>
-                                          <p:attrName>ppt_y</p:attrName>
-                                        </p:attrNameLst>
-                                      </p:cBhvr>
-                                      <p:tavLst>
-                                        <p:tav tm="0">
-                                          <p:val>
-                                            <p:strVal val="#ppt_y"/>
-                                          </p:val>
-                                        </p:tav>
-                                        <p:tav tm="100000">
-                                          <p:val>
-                                            <p:strVal val="#ppt_y"/>
-                                          </p:val>
-                                        </p:tav>
-                                      </p:tavLst>
-                                    </p:anim>
-                                  </p:childTnLst>
-                                </p:cTn>
-                              </p:par>
                             </p:childTnLst>
                           </p:cTn>
                         </p:par>
                         <p:par>
-                          <p:cTn id="17" fill="hold">
+                          <p:cTn id="13" fill="hold">
                             <p:stCondLst>
-                              <p:cond delay="700"/>
+                              <p:cond delay="600"/>
                             </p:stCondLst>
                             <p:childTnLst>
                               <p:par>
-                                <p:cTn id="18" presetID="52" presetClass="entr" presetSubtype="0" fill="hold" grpId="0" nodeType="afterEffect">
+                                <p:cTn id="14" presetID="52" presetClass="entr" presetSubtype="0" fill="hold" grpId="0" nodeType="afterEffect">
                                   <p:stCondLst>
                                     <p:cond delay="0"/>
                                   </p:stCondLst>
                                   <p:childTnLst>
                                     <p:set>
                                       <p:cBhvr>
-                                        <p:cTn id="19" dur="1" fill="hold">
+                                        <p:cTn id="15" dur="1" fill="hold">
                                           <p:stCondLst>
                                             <p:cond delay="0"/>
                                           </p:stCondLst>
@@ -16298,7 +16225,7 @@
                                     </p:set>
                                     <p:animScale>
                                       <p:cBhvr>
-                                        <p:cTn id="20" dur="1000" decel="50000" fill="hold">
+                                        <p:cTn id="16" dur="1000" decel="50000" fill="hold">
                                           <p:stCondLst>
                                             <p:cond delay="0"/>
                                           </p:stCondLst>
@@ -16312,7 +16239,7 @@
                                     </p:animScale>
                                     <p:animMotion origin="layout" path="M -0.46736 0.92887  C -0.37517 0.88508  -0.02552 0.75279  0.0908 0.66613  C  0.20747 0.57948  0.21649 0.50394  0.23177 0.40825  C 0.24705 0.31256  0.22118 0.15964   0.18264 0.09152  C 0.1441 0.02341  0.03802 0.0  0.0 0.0  " pathEditMode="relative" ptsTypes="">
                                       <p:cBhvr>
-                                        <p:cTn id="21" dur="1000" decel="50000" fill="hold">
+                                        <p:cTn id="17" dur="1000" decel="50000" fill="hold">
                                           <p:stCondLst>
                                             <p:cond delay="0"/>
                                           </p:stCondLst>
@@ -16328,7 +16255,7 @@
                                     </p:animMotion>
                                     <p:animEffect transition="in" filter="fade">
                                       <p:cBhvr>
-                                        <p:cTn id="22" dur="1000"/>
+                                        <p:cTn id="18" dur="1000"/>
                                         <p:tgtEl>
                                           <p:spTgt spid="8"/>
                                         </p:tgtEl>
@@ -16338,14 +16265,14 @@
                                 </p:cTn>
                               </p:par>
                               <p:par>
-                                <p:cTn id="23" presetID="52" presetClass="entr" presetSubtype="0" fill="hold" grpId="0" nodeType="withEffect">
+                                <p:cTn id="19" presetID="52" presetClass="entr" presetSubtype="0" fill="hold" grpId="0" nodeType="withEffect">
                                   <p:stCondLst>
                                     <p:cond delay="100"/>
                                   </p:stCondLst>
                                   <p:childTnLst>
                                     <p:set>
                                       <p:cBhvr>
-                                        <p:cTn id="24" dur="1" fill="hold">
+                                        <p:cTn id="20" dur="1" fill="hold">
                                           <p:stCondLst>
                                             <p:cond delay="0"/>
                                           </p:stCondLst>
@@ -16363,7 +16290,7 @@
                                     </p:set>
                                     <p:animScale>
                                       <p:cBhvr>
-                                        <p:cTn id="25" dur="1000" decel="50000" fill="hold">
+                                        <p:cTn id="21" dur="1000" decel="50000" fill="hold">
                                           <p:stCondLst>
                                             <p:cond delay="0"/>
                                           </p:stCondLst>
@@ -16377,7 +16304,7 @@
                                     </p:animScale>
                                     <p:animMotion origin="layout" path="M -0.46736 0.92887  C -0.37517 0.88508  -0.02552 0.75279  0.0908 0.66613  C  0.20747 0.57948  0.21649 0.50394  0.23177 0.40825  C 0.24705 0.31256  0.22118 0.15964   0.18264 0.09152  C 0.1441 0.02341  0.03802 0.0  0.0 0.0  " pathEditMode="relative" ptsTypes="">
                                       <p:cBhvr>
-                                        <p:cTn id="26" dur="1000" decel="50000" fill="hold">
+                                        <p:cTn id="22" dur="1000" decel="50000" fill="hold">
                                           <p:stCondLst>
                                             <p:cond delay="0"/>
                                           </p:stCondLst>
@@ -16393,7 +16320,7 @@
                                     </p:animMotion>
                                     <p:animEffect transition="in" filter="fade">
                                       <p:cBhvr>
-                                        <p:cTn id="27" dur="1000"/>
+                                        <p:cTn id="23" dur="1000"/>
                                         <p:tgtEl>
                                           <p:spTgt spid="9"/>
                                         </p:tgtEl>
@@ -16403,14 +16330,14 @@
                                 </p:cTn>
                               </p:par>
                               <p:par>
-                                <p:cTn id="28" presetID="52" presetClass="entr" presetSubtype="0" fill="hold" grpId="0" nodeType="withEffect">
+                                <p:cTn id="24" presetID="52" presetClass="entr" presetSubtype="0" fill="hold" grpId="0" nodeType="withEffect">
                                   <p:stCondLst>
                                     <p:cond delay="200"/>
                                   </p:stCondLst>
                                   <p:childTnLst>
                                     <p:set>
                                       <p:cBhvr>
-                                        <p:cTn id="29" dur="1" fill="hold">
+                                        <p:cTn id="25" dur="1" fill="hold">
                                           <p:stCondLst>
                                             <p:cond delay="0"/>
                                           </p:stCondLst>
@@ -16428,7 +16355,7 @@
                                     </p:set>
                                     <p:animScale>
                                       <p:cBhvr>
-                                        <p:cTn id="30" dur="1000" decel="50000" fill="hold">
+                                        <p:cTn id="26" dur="1000" decel="50000" fill="hold">
                                           <p:stCondLst>
                                             <p:cond delay="0"/>
                                           </p:stCondLst>
@@ -16442,7 +16369,7 @@
                                     </p:animScale>
                                     <p:animMotion origin="layout" path="M -0.46736 0.92887  C -0.37517 0.88508  -0.02552 0.75279  0.0908 0.66613  C  0.20747 0.57948  0.21649 0.50394  0.23177 0.40825  C 0.24705 0.31256  0.22118 0.15964   0.18264 0.09152  C 0.1441 0.02341  0.03802 0.0  0.0 0.0  " pathEditMode="relative" ptsTypes="">
                                       <p:cBhvr>
-                                        <p:cTn id="31" dur="1000" decel="50000" fill="hold">
+                                        <p:cTn id="27" dur="1000" decel="50000" fill="hold">
                                           <p:stCondLst>
                                             <p:cond delay="0"/>
                                           </p:stCondLst>
@@ -16458,7 +16385,7 @@
                                     </p:animMotion>
                                     <p:animEffect transition="in" filter="fade">
                                       <p:cBhvr>
-                                        <p:cTn id="32" dur="1000"/>
+                                        <p:cTn id="28" dur="1000"/>
                                         <p:tgtEl>
                                           <p:spTgt spid="10"/>
                                         </p:tgtEl>
@@ -16471,20 +16398,20 @@
                           </p:cTn>
                         </p:par>
                         <p:par>
-                          <p:cTn id="33" fill="hold">
+                          <p:cTn id="29" fill="hold">
                             <p:stCondLst>
-                              <p:cond delay="1900"/>
+                              <p:cond delay="1800"/>
                             </p:stCondLst>
                             <p:childTnLst>
                               <p:par>
-                                <p:cTn id="34" presetID="31" presetClass="entr" presetSubtype="0" fill="hold" grpId="0" nodeType="afterEffect">
+                                <p:cTn id="30" presetID="31" presetClass="entr" presetSubtype="0" fill="hold" grpId="0" nodeType="afterEffect">
                                   <p:stCondLst>
                                     <p:cond delay="0"/>
                                   </p:stCondLst>
                                   <p:childTnLst>
                                     <p:set>
                                       <p:cBhvr>
-                                        <p:cTn id="35" dur="1" fill="hold">
+                                        <p:cTn id="31" dur="1" fill="hold">
                                           <p:stCondLst>
                                             <p:cond delay="0"/>
                                           </p:stCondLst>
@@ -16502,7 +16429,7 @@
                                     </p:set>
                                     <p:anim calcmode="lin" valueType="num">
                                       <p:cBhvr>
-                                        <p:cTn id="36" dur="500" fill="hold"/>
+                                        <p:cTn id="32" dur="500" fill="hold"/>
                                         <p:tgtEl>
                                           <p:spTgt spid="11"/>
                                         </p:tgtEl>
@@ -16525,7 +16452,7 @@
                                     </p:anim>
                                     <p:anim calcmode="lin" valueType="num">
                                       <p:cBhvr>
-                                        <p:cTn id="37" dur="500" fill="hold"/>
+                                        <p:cTn id="33" dur="500" fill="hold"/>
                                         <p:tgtEl>
                                           <p:spTgt spid="11"/>
                                         </p:tgtEl>
@@ -16548,7 +16475,7 @@
                                     </p:anim>
                                     <p:anim calcmode="lin" valueType="num">
                                       <p:cBhvr>
-                                        <p:cTn id="38" dur="500" fill="hold"/>
+                                        <p:cTn id="34" dur="500" fill="hold"/>
                                         <p:tgtEl>
                                           <p:spTgt spid="11"/>
                                         </p:tgtEl>
@@ -16571,7 +16498,7 @@
                                     </p:anim>
                                     <p:animEffect transition="in" filter="fade">
                                       <p:cBhvr>
-                                        <p:cTn id="39" dur="500"/>
+                                        <p:cTn id="35" dur="500"/>
                                         <p:tgtEl>
                                           <p:spTgt spid="11"/>
                                         </p:tgtEl>
@@ -16584,20 +16511,20 @@
                           </p:cTn>
                         </p:par>
                         <p:par>
-                          <p:cTn id="40" fill="hold">
+                          <p:cTn id="36" fill="hold">
                             <p:stCondLst>
-                              <p:cond delay="2400"/>
+                              <p:cond delay="2300"/>
                             </p:stCondLst>
                             <p:childTnLst>
                               <p:par>
-                                <p:cTn id="41" presetID="22" presetClass="entr" presetSubtype="1" fill="hold" grpId="0" nodeType="afterEffect">
+                                <p:cTn id="37" presetID="22" presetClass="entr" presetSubtype="1" fill="hold" grpId="0" nodeType="afterEffect">
                                   <p:stCondLst>
                                     <p:cond delay="0"/>
                                   </p:stCondLst>
                                   <p:childTnLst>
                                     <p:set>
                                       <p:cBhvr>
-                                        <p:cTn id="42" dur="1" fill="hold">
+                                        <p:cTn id="38" dur="1" fill="hold">
                                           <p:stCondLst>
                                             <p:cond delay="0"/>
                                           </p:stCondLst>
@@ -16615,7 +16542,7 @@
                                     </p:set>
                                     <p:animEffect transition="in" filter="wipe(up)">
                                       <p:cBhvr>
-                                        <p:cTn id="43" dur="300"/>
+                                        <p:cTn id="39" dur="300"/>
                                         <p:tgtEl>
                                           <p:spTgt spid="12"/>
                                         </p:tgtEl>
@@ -16628,20 +16555,20 @@
                           </p:cTn>
                         </p:par>
                         <p:par>
-                          <p:cTn id="44" fill="hold">
+                          <p:cTn id="40" fill="hold">
                             <p:stCondLst>
-                              <p:cond delay="2700"/>
+                              <p:cond delay="2600"/>
                             </p:stCondLst>
                             <p:childTnLst>
                               <p:par>
-                                <p:cTn id="45" presetID="31" presetClass="entr" presetSubtype="0" fill="hold" grpId="0" nodeType="afterEffect">
+                                <p:cTn id="41" presetID="31" presetClass="entr" presetSubtype="0" fill="hold" grpId="0" nodeType="afterEffect">
                                   <p:stCondLst>
                                     <p:cond delay="0"/>
                                   </p:stCondLst>
                                   <p:childTnLst>
                                     <p:set>
                                       <p:cBhvr>
-                                        <p:cTn id="46" dur="1" fill="hold">
+                                        <p:cTn id="42" dur="1" fill="hold">
                                           <p:stCondLst>
                                             <p:cond delay="0"/>
                                           </p:stCondLst>
@@ -16659,7 +16586,7 @@
                                     </p:set>
                                     <p:anim calcmode="lin" valueType="num">
                                       <p:cBhvr>
-                                        <p:cTn id="47" dur="500" fill="hold"/>
+                                        <p:cTn id="43" dur="500" fill="hold"/>
                                         <p:tgtEl>
                                           <p:spTgt spid="13"/>
                                         </p:tgtEl>
@@ -16682,7 +16609,7 @@
                                     </p:anim>
                                     <p:anim calcmode="lin" valueType="num">
                                       <p:cBhvr>
-                                        <p:cTn id="48" dur="500" fill="hold"/>
+                                        <p:cTn id="44" dur="500" fill="hold"/>
                                         <p:tgtEl>
                                           <p:spTgt spid="13"/>
                                         </p:tgtEl>
@@ -16705,7 +16632,7 @@
                                     </p:anim>
                                     <p:anim calcmode="lin" valueType="num">
                                       <p:cBhvr>
-                                        <p:cTn id="49" dur="500" fill="hold"/>
+                                        <p:cTn id="45" dur="500" fill="hold"/>
                                         <p:tgtEl>
                                           <p:spTgt spid="13"/>
                                         </p:tgtEl>
@@ -16728,7 +16655,7 @@
                                     </p:anim>
                                     <p:animEffect transition="in" filter="fade">
                                       <p:cBhvr>
-                                        <p:cTn id="50" dur="500"/>
+                                        <p:cTn id="46" dur="500"/>
                                         <p:tgtEl>
                                           <p:spTgt spid="13"/>
                                         </p:tgtEl>
@@ -16741,20 +16668,20 @@
                           </p:cTn>
                         </p:par>
                         <p:par>
-                          <p:cTn id="51" fill="hold">
+                          <p:cTn id="47" fill="hold">
                             <p:stCondLst>
-                              <p:cond delay="3200"/>
+                              <p:cond delay="3100"/>
                             </p:stCondLst>
                             <p:childTnLst>
                               <p:par>
-                                <p:cTn id="52" presetID="22" presetClass="entr" presetSubtype="1" fill="hold" grpId="0" nodeType="afterEffect">
+                                <p:cTn id="48" presetID="22" presetClass="entr" presetSubtype="1" fill="hold" grpId="0" nodeType="afterEffect">
                                   <p:stCondLst>
                                     <p:cond delay="0"/>
                                   </p:stCondLst>
                                   <p:childTnLst>
                                     <p:set>
                                       <p:cBhvr>
-                                        <p:cTn id="53" dur="1" fill="hold">
+                                        <p:cTn id="49" dur="1" fill="hold">
                                           <p:stCondLst>
                                             <p:cond delay="0"/>
                                           </p:stCondLst>
@@ -16772,7 +16699,7 @@
                                     </p:set>
                                     <p:animEffect transition="in" filter="wipe(up)">
                                       <p:cBhvr>
-                                        <p:cTn id="54" dur="300"/>
+                                        <p:cTn id="50" dur="300"/>
                                         <p:tgtEl>
                                           <p:spTgt spid="14"/>
                                         </p:tgtEl>
@@ -16785,20 +16712,20 @@
                           </p:cTn>
                         </p:par>
                         <p:par>
-                          <p:cTn id="55" fill="hold">
+                          <p:cTn id="51" fill="hold">
                             <p:stCondLst>
-                              <p:cond delay="3500"/>
+                              <p:cond delay="3400"/>
                             </p:stCondLst>
                             <p:childTnLst>
                               <p:par>
-                                <p:cTn id="56" presetID="31" presetClass="entr" presetSubtype="0" fill="hold" grpId="0" nodeType="afterEffect">
+                                <p:cTn id="52" presetID="31" presetClass="entr" presetSubtype="0" fill="hold" grpId="0" nodeType="afterEffect">
                                   <p:stCondLst>
                                     <p:cond delay="0"/>
                                   </p:stCondLst>
                                   <p:childTnLst>
                                     <p:set>
                                       <p:cBhvr>
-                                        <p:cTn id="57" dur="1" fill="hold">
+                                        <p:cTn id="53" dur="1" fill="hold">
                                           <p:stCondLst>
                                             <p:cond delay="0"/>
                                           </p:stCondLst>
@@ -16816,7 +16743,7 @@
                                     </p:set>
                                     <p:anim calcmode="lin" valueType="num">
                                       <p:cBhvr>
-                                        <p:cTn id="58" dur="500" fill="hold"/>
+                                        <p:cTn id="54" dur="500" fill="hold"/>
                                         <p:tgtEl>
                                           <p:spTgt spid="17"/>
                                         </p:tgtEl>
@@ -16839,7 +16766,7 @@
                                     </p:anim>
                                     <p:anim calcmode="lin" valueType="num">
                                       <p:cBhvr>
-                                        <p:cTn id="59" dur="500" fill="hold"/>
+                                        <p:cTn id="55" dur="500" fill="hold"/>
                                         <p:tgtEl>
                                           <p:spTgt spid="17"/>
                                         </p:tgtEl>
@@ -16862,7 +16789,7 @@
                                     </p:anim>
                                     <p:anim calcmode="lin" valueType="num">
                                       <p:cBhvr>
-                                        <p:cTn id="60" dur="500" fill="hold"/>
+                                        <p:cTn id="56" dur="500" fill="hold"/>
                                         <p:tgtEl>
                                           <p:spTgt spid="17"/>
                                         </p:tgtEl>
@@ -16885,7 +16812,7 @@
                                     </p:anim>
                                     <p:animEffect transition="in" filter="fade">
                                       <p:cBhvr>
-                                        <p:cTn id="61" dur="500"/>
+                                        <p:cTn id="57" dur="500"/>
                                         <p:tgtEl>
                                           <p:spTgt spid="17"/>
                                         </p:tgtEl>
@@ -16898,20 +16825,20 @@
                           </p:cTn>
                         </p:par>
                         <p:par>
-                          <p:cTn id="62" fill="hold">
+                          <p:cTn id="58" fill="hold">
                             <p:stCondLst>
-                              <p:cond delay="4000"/>
+                              <p:cond delay="3900"/>
                             </p:stCondLst>
                             <p:childTnLst>
                               <p:par>
-                                <p:cTn id="63" presetID="22" presetClass="entr" presetSubtype="1" fill="hold" grpId="0" nodeType="afterEffect">
+                                <p:cTn id="59" presetID="22" presetClass="entr" presetSubtype="1" fill="hold" grpId="0" nodeType="afterEffect">
                                   <p:stCondLst>
                                     <p:cond delay="0"/>
                                   </p:stCondLst>
                                   <p:childTnLst>
                                     <p:set>
                                       <p:cBhvr>
-                                        <p:cTn id="64" dur="1" fill="hold">
+                                        <p:cTn id="60" dur="1" fill="hold">
                                           <p:stCondLst>
                                             <p:cond delay="0"/>
                                           </p:stCondLst>
@@ -16929,7 +16856,7 @@
                                     </p:set>
                                     <p:animEffect transition="in" filter="wipe(up)">
                                       <p:cBhvr>
-                                        <p:cTn id="65" dur="300"/>
+                                        <p:cTn id="61" dur="300"/>
                                         <p:tgtEl>
                                           <p:spTgt spid="18"/>
                                         </p:tgtEl>
@@ -16942,20 +16869,20 @@
                           </p:cTn>
                         </p:par>
                         <p:par>
-                          <p:cTn id="66" fill="hold">
+                          <p:cTn id="62" fill="hold">
                             <p:stCondLst>
-                              <p:cond delay="4300"/>
+                              <p:cond delay="4200"/>
                             </p:stCondLst>
                             <p:childTnLst>
                               <p:par>
-                                <p:cTn id="67" presetID="22" presetClass="entr" presetSubtype="1" fill="hold" grpId="0" nodeType="afterEffect">
+                                <p:cTn id="63" presetID="22" presetClass="entr" presetSubtype="1" fill="hold" grpId="0" nodeType="afterEffect">
                                   <p:stCondLst>
                                     <p:cond delay="0"/>
                                   </p:stCondLst>
                                   <p:childTnLst>
                                     <p:set>
                                       <p:cBhvr>
-                                        <p:cTn id="68" dur="1" fill="hold">
+                                        <p:cTn id="64" dur="1" fill="hold">
                                           <p:stCondLst>
                                             <p:cond delay="0"/>
                                           </p:stCondLst>
@@ -16973,12 +16900,85 @@
                                     </p:set>
                                     <p:animEffect transition="in" filter="wipe(up)">
                                       <p:cBhvr>
-                                        <p:cTn id="69" dur="500"/>
+                                        <p:cTn id="65" dur="500"/>
                                         <p:tgtEl>
                                           <p:spTgt spid="7"/>
                                         </p:tgtEl>
                                       </p:cBhvr>
                                     </p:animEffect>
+                                  </p:childTnLst>
+                                </p:cTn>
+                              </p:par>
+                              <p:par>
+                                <p:cTn id="66" presetID="2" presetClass="entr" presetSubtype="2" fill="hold" nodeType="withEffect">
+                                  <p:stCondLst>
+                                    <p:cond delay="100"/>
+                                  </p:stCondLst>
+                                  <p:childTnLst>
+                                    <p:set>
+                                      <p:cBhvr>
+                                        <p:cTn id="67" dur="1" fill="hold">
+                                          <p:stCondLst>
+                                            <p:cond delay="0"/>
+                                          </p:stCondLst>
+                                        </p:cTn>
+                                        <p:tgtEl>
+                                          <p:spTgt spid="22"/>
+                                        </p:tgtEl>
+                                        <p:attrNameLst>
+                                          <p:attrName>style.visibility</p:attrName>
+                                        </p:attrNameLst>
+                                      </p:cBhvr>
+                                      <p:to>
+                                        <p:strVal val="visible"/>
+                                      </p:to>
+                                    </p:set>
+                                    <p:anim calcmode="lin" valueType="num">
+                                      <p:cBhvr additive="base">
+                                        <p:cTn id="68" dur="500" fill="hold"/>
+                                        <p:tgtEl>
+                                          <p:spTgt spid="22"/>
+                                        </p:tgtEl>
+                                        <p:attrNameLst>
+                                          <p:attrName>ppt_x</p:attrName>
+                                        </p:attrNameLst>
+                                      </p:cBhvr>
+                                      <p:tavLst>
+                                        <p:tav tm="0">
+                                          <p:val>
+                                            <p:strVal val="1+#ppt_w/2"/>
+                                          </p:val>
+                                        </p:tav>
+                                        <p:tav tm="100000">
+                                          <p:val>
+                                            <p:strVal val="#ppt_x"/>
+                                          </p:val>
+                                        </p:tav>
+                                      </p:tavLst>
+                                    </p:anim>
+                                    <p:anim calcmode="lin" valueType="num">
+                                      <p:cBhvr additive="base">
+                                        <p:cTn id="69" dur="500" fill="hold"/>
+                                        <p:tgtEl>
+                                          <p:spTgt spid="22"/>
+                                        </p:tgtEl>
+                                        <p:attrNameLst>
+                                          <p:attrName>ppt_y</p:attrName>
+                                        </p:attrNameLst>
+                                      </p:cBhvr>
+                                      <p:tavLst>
+                                        <p:tav tm="0">
+                                          <p:val>
+                                            <p:strVal val="#ppt_y"/>
+                                          </p:val>
+                                        </p:tav>
+                                        <p:tav tm="100000">
+                                          <p:val>
+                                            <p:strVal val="#ppt_y"/>
+                                          </p:val>
+                                        </p:tav>
+                                      </p:tavLst>
+                                    </p:anim>
                                   </p:childTnLst>
                                 </p:cTn>
                               </p:par>
@@ -17020,7 +17020,6 @@
       <p:bldP spid="14" grpId="0"/>
       <p:bldP spid="17" grpId="0"/>
       <p:bldP spid="18" grpId="0"/>
-      <p:bldP spid="20" grpId="0" animBg="1"/>
     </p:bldLst>
   </p:timing>
 </p:sld>
